--- a/map/my_radio_weathermap.pptx
+++ b/map/my_radio_weathermap.pptx
@@ -3839,10 +3839,10 @@
       </p:grpSpPr>
       <p:pic>
         <p:nvPicPr>
-          <p:cNvPr id="3" name="図 2">
+          <p:cNvPr id="2" name="図 1">
             <a:extLst>
               <a:ext uri="{FF2B5EF4-FFF2-40B4-BE49-F238E27FC236}">
-                <a16:creationId xmlns:a16="http://schemas.microsoft.com/office/drawing/2014/main" id="{219FB13D-BFCB-6A3F-A17E-D1BC67F704D9}"/>
+                <a16:creationId xmlns:a16="http://schemas.microsoft.com/office/drawing/2014/main" id="{4BD57A78-C0A9-6800-BFBC-596F67AB48D6}"/>
               </a:ext>
             </a:extLst>
           </p:cNvPr>
@@ -3897,35 +3897,6 @@
           <a:chExt cx="0" cy="0"/>
         </a:xfrm>
       </p:grpSpPr>
-      <p:pic>
-        <p:nvPicPr>
-          <p:cNvPr id="2" name="図 1">
-            <a:extLst>
-              <a:ext uri="{FF2B5EF4-FFF2-40B4-BE49-F238E27FC236}">
-                <a16:creationId xmlns:a16="http://schemas.microsoft.com/office/drawing/2014/main" id="{A55FC90E-E8CA-D3BC-6809-2BF849493AC2}"/>
-              </a:ext>
-            </a:extLst>
-          </p:cNvPr>
-          <p:cNvPicPr>
-            <a:picLocks noChangeAspect="1"/>
-          </p:cNvPicPr>
-          <p:nvPr/>
-        </p:nvPicPr>
-        <p:blipFill rotWithShape="1">
-          <a:blip r:embed="rId2"/>
-          <a:srcRect t="4165" r="3525"/>
-          <a:stretch/>
-        </p:blipFill>
-        <p:spPr>
-          <a:xfrm>
-            <a:off x="3255638" y="166936"/>
-            <a:ext cx="6650360" cy="5114925"/>
-          </a:xfrm>
-          <a:prstGeom prst="rect">
-            <a:avLst/>
-          </a:prstGeom>
-        </p:spPr>
-      </p:pic>
       <p:graphicFrame>
         <p:nvGraphicFramePr>
           <p:cNvPr id="3" name="表 2">
@@ -36927,7 +36898,7 @@
           <p:nvPr/>
         </p:nvPicPr>
         <p:blipFill>
-          <a:blip r:embed="rId3"/>
+          <a:blip r:embed="rId2"/>
           <a:stretch>
             <a:fillRect/>
           </a:stretch>
@@ -36936,6 +36907,35 @@
           <a:xfrm>
             <a:off x="181295" y="4902402"/>
             <a:ext cx="3074343" cy="1821663"/>
+          </a:xfrm>
+          <a:prstGeom prst="rect">
+            <a:avLst/>
+          </a:prstGeom>
+        </p:spPr>
+      </p:pic>
+      <p:pic>
+        <p:nvPicPr>
+          <p:cNvPr id="7" name="図 6">
+            <a:extLst>
+              <a:ext uri="{FF2B5EF4-FFF2-40B4-BE49-F238E27FC236}">
+                <a16:creationId xmlns:a16="http://schemas.microsoft.com/office/drawing/2014/main" id="{5CE536BE-B358-258C-BE63-60215596C3EB}"/>
+              </a:ext>
+            </a:extLst>
+          </p:cNvPr>
+          <p:cNvPicPr>
+            <a:picLocks noChangeAspect="1"/>
+          </p:cNvPicPr>
+          <p:nvPr/>
+        </p:nvPicPr>
+        <p:blipFill rotWithShape="1">
+          <a:blip r:embed="rId3"/>
+          <a:srcRect t="4175" r="3727"/>
+          <a:stretch/>
+        </p:blipFill>
+        <p:spPr>
+          <a:xfrm>
+            <a:off x="3160147" y="163002"/>
+            <a:ext cx="6653490" cy="5127548"/>
           </a:xfrm>
           <a:prstGeom prst="rect">
             <a:avLst/>
